--- a/week3/slides/Week3-LLVM -Backend.pptx
+++ b/week3/slides/Week3-LLVM -Backend.pptx
@@ -5,7 +5,7 @@
     <p:sldMasterId id="2147483648" r:id="rId1"/>
   </p:sldMasterIdLst>
   <p:notesMasterIdLst>
-    <p:notesMasterId r:id="rId23"/>
+    <p:notesMasterId r:id="rId22"/>
   </p:notesMasterIdLst>
   <p:sldIdLst>
     <p:sldId id="256" r:id="rId2"/>
@@ -20,15 +20,14 @@
     <p:sldId id="304" r:id="rId11"/>
     <p:sldId id="288" r:id="rId12"/>
     <p:sldId id="289" r:id="rId13"/>
-    <p:sldId id="290" r:id="rId14"/>
-    <p:sldId id="291" r:id="rId15"/>
-    <p:sldId id="292" r:id="rId16"/>
+    <p:sldId id="291" r:id="rId14"/>
+    <p:sldId id="292" r:id="rId15"/>
+    <p:sldId id="306" r:id="rId16"/>
     <p:sldId id="293" r:id="rId17"/>
     <p:sldId id="294" r:id="rId18"/>
     <p:sldId id="295" r:id="rId19"/>
     <p:sldId id="297" r:id="rId20"/>
     <p:sldId id="300" r:id="rId21"/>
-    <p:sldId id="305" r:id="rId22"/>
   </p:sldIdLst>
   <p:sldSz cx="12192000" cy="6858000"/>
   <p:notesSz cx="6858000" cy="9144000"/>
@@ -217,7 +216,7 @@
           <a:p>
             <a:fld id="{5BA509F5-279B-4247-B8E7-2FD57EBF3867}" type="datetimeFigureOut">
               <a:rPr lang="en-US" smtClean="0"/>
-              <a:t>7/30/2025</a:t>
+              <a:t>8/4/2025</a:t>
             </a:fld>
             <a:endParaRPr lang="en-US"/>
           </a:p>
@@ -631,7 +630,7 @@
           <a:p>
             <a:fld id="{B45BD70C-609A-4A36-B315-9BC0A2A7554B}" type="datetimeFigureOut">
               <a:rPr lang="en-US" smtClean="0"/>
-              <a:t>7/30/2025</a:t>
+              <a:t>8/4/2025</a:t>
             </a:fld>
             <a:endParaRPr lang="en-US"/>
           </a:p>
@@ -829,7 +828,7 @@
           <a:p>
             <a:fld id="{B45BD70C-609A-4A36-B315-9BC0A2A7554B}" type="datetimeFigureOut">
               <a:rPr lang="en-US" smtClean="0"/>
-              <a:t>7/30/2025</a:t>
+              <a:t>8/4/2025</a:t>
             </a:fld>
             <a:endParaRPr lang="en-US"/>
           </a:p>
@@ -1037,7 +1036,7 @@
           <a:p>
             <a:fld id="{B45BD70C-609A-4A36-B315-9BC0A2A7554B}" type="datetimeFigureOut">
               <a:rPr lang="en-US" smtClean="0"/>
-              <a:t>7/30/2025</a:t>
+              <a:t>8/4/2025</a:t>
             </a:fld>
             <a:endParaRPr lang="en-US"/>
           </a:p>
@@ -1235,7 +1234,7 @@
           <a:p>
             <a:fld id="{B45BD70C-609A-4A36-B315-9BC0A2A7554B}" type="datetimeFigureOut">
               <a:rPr lang="en-US" smtClean="0"/>
-              <a:t>7/30/2025</a:t>
+              <a:t>8/4/2025</a:t>
             </a:fld>
             <a:endParaRPr lang="en-US"/>
           </a:p>
@@ -1510,7 +1509,7 @@
           <a:p>
             <a:fld id="{B45BD70C-609A-4A36-B315-9BC0A2A7554B}" type="datetimeFigureOut">
               <a:rPr lang="en-US" smtClean="0"/>
-              <a:t>7/30/2025</a:t>
+              <a:t>8/4/2025</a:t>
             </a:fld>
             <a:endParaRPr lang="en-US"/>
           </a:p>
@@ -1775,7 +1774,7 @@
           <a:p>
             <a:fld id="{B45BD70C-609A-4A36-B315-9BC0A2A7554B}" type="datetimeFigureOut">
               <a:rPr lang="en-US" smtClean="0"/>
-              <a:t>7/30/2025</a:t>
+              <a:t>8/4/2025</a:t>
             </a:fld>
             <a:endParaRPr lang="en-US"/>
           </a:p>
@@ -2187,7 +2186,7 @@
           <a:p>
             <a:fld id="{B45BD70C-609A-4A36-B315-9BC0A2A7554B}" type="datetimeFigureOut">
               <a:rPr lang="en-US" smtClean="0"/>
-              <a:t>7/30/2025</a:t>
+              <a:t>8/4/2025</a:t>
             </a:fld>
             <a:endParaRPr lang="en-US"/>
           </a:p>
@@ -2328,7 +2327,7 @@
           <a:p>
             <a:fld id="{B45BD70C-609A-4A36-B315-9BC0A2A7554B}" type="datetimeFigureOut">
               <a:rPr lang="en-US" smtClean="0"/>
-              <a:t>7/30/2025</a:t>
+              <a:t>8/4/2025</a:t>
             </a:fld>
             <a:endParaRPr lang="en-US"/>
           </a:p>
@@ -2441,7 +2440,7 @@
           <a:p>
             <a:fld id="{B45BD70C-609A-4A36-B315-9BC0A2A7554B}" type="datetimeFigureOut">
               <a:rPr lang="en-US" smtClean="0"/>
-              <a:t>7/30/2025</a:t>
+              <a:t>8/4/2025</a:t>
             </a:fld>
             <a:endParaRPr lang="en-US"/>
           </a:p>
@@ -2752,7 +2751,7 @@
           <a:p>
             <a:fld id="{B45BD70C-609A-4A36-B315-9BC0A2A7554B}" type="datetimeFigureOut">
               <a:rPr lang="en-US" smtClean="0"/>
-              <a:t>7/30/2025</a:t>
+              <a:t>8/4/2025</a:t>
             </a:fld>
             <a:endParaRPr lang="en-US"/>
           </a:p>
@@ -3040,7 +3039,7 @@
           <a:p>
             <a:fld id="{B45BD70C-609A-4A36-B315-9BC0A2A7554B}" type="datetimeFigureOut">
               <a:rPr lang="en-US" smtClean="0"/>
-              <a:t>7/30/2025</a:t>
+              <a:t>8/4/2025</a:t>
             </a:fld>
             <a:endParaRPr lang="en-US"/>
           </a:p>
@@ -3281,7 +3280,7 @@
           <a:p>
             <a:fld id="{B45BD70C-609A-4A36-B315-9BC0A2A7554B}" type="datetimeFigureOut">
               <a:rPr lang="en-US" smtClean="0"/>
-              <a:t>7/30/2025</a:t>
+              <a:t>8/4/2025</a:t>
             </a:fld>
             <a:endParaRPr lang="en-US"/>
           </a:p>
@@ -3844,6 +3843,43 @@
           </a:extLst>
         </p:spPr>
       </p:pic>
+      <p:pic>
+        <p:nvPicPr>
+          <p:cNvPr id="5" name="Picture 4" descr="A white cat with black text&#10;&#10;AI-generated content may be incorrect.">
+            <a:hlinkClick r:id="rId3"/>
+            <a:extLst>
+              <a:ext uri="{FF2B5EF4-FFF2-40B4-BE49-F238E27FC236}">
+                <a16:creationId xmlns:a16="http://schemas.microsoft.com/office/drawing/2014/main" id="{B0398ECF-7508-626B-C56C-22B238C7962B}"/>
+              </a:ext>
+            </a:extLst>
+          </p:cNvPr>
+          <p:cNvPicPr>
+            <a:picLocks noChangeAspect="1"/>
+          </p:cNvPicPr>
+          <p:nvPr/>
+        </p:nvPicPr>
+        <p:blipFill>
+          <a:blip r:embed="rId4">
+            <a:extLst>
+              <a:ext uri="{28A0092B-C50C-407E-A947-70E740481C1C}">
+                <a14:useLocalDpi xmlns:a14="http://schemas.microsoft.com/office/drawing/2010/main" val="0"/>
+              </a:ext>
+            </a:extLst>
+          </a:blip>
+          <a:stretch>
+            <a:fillRect/>
+          </a:stretch>
+        </p:blipFill>
+        <p:spPr>
+          <a:xfrm>
+            <a:off x="541618" y="6009312"/>
+            <a:ext cx="589280" cy="568960"/>
+          </a:xfrm>
+          <a:prstGeom prst="rect">
+            <a:avLst/>
+          </a:prstGeom>
+        </p:spPr>
+      </p:pic>
     </p:spTree>
     <p:extLst>
       <p:ext uri="{BB962C8B-B14F-4D97-AF65-F5344CB8AC3E}">
@@ -3882,48 +3918,6 @@
       </p:grpSpPr>
       <p:sp>
         <p:nvSpPr>
-          <p:cNvPr id="3" name="Content Placeholder 2">
-            <a:extLst>
-              <a:ext uri="{FF2B5EF4-FFF2-40B4-BE49-F238E27FC236}">
-                <a16:creationId xmlns:a16="http://schemas.microsoft.com/office/drawing/2014/main" id="{4FACF225-A524-C41C-CE05-66D036DA8698}"/>
-              </a:ext>
-            </a:extLst>
-          </p:cNvPr>
-          <p:cNvSpPr>
-            <a:spLocks noGrp="1"/>
-          </p:cNvSpPr>
-          <p:nvPr>
-            <p:ph idx="1"/>
-          </p:nvPr>
-        </p:nvSpPr>
-        <p:spPr>
-          <a:xfrm>
-            <a:off x="3398520" y="3061200"/>
-            <a:ext cx="6598920" cy="5183640"/>
-          </a:xfrm>
-        </p:spPr>
-        <p:txBody>
-          <a:bodyPr>
-            <a:normAutofit/>
-          </a:bodyPr>
-          <a:lstStyle/>
-          <a:p>
-            <a:pPr marL="0" indent="0">
-              <a:buNone/>
-            </a:pPr>
-            <a:r>
-              <a:rPr lang="en-US" sz="4400" b="1" dirty="0">
-                <a:solidFill>
-                  <a:srgbClr val="FF0000"/>
-                </a:solidFill>
-              </a:rPr>
-              <a:t>Some DAG Examples</a:t>
-            </a:r>
-          </a:p>
-        </p:txBody>
-      </p:sp>
-      <p:sp>
-        <p:nvSpPr>
           <p:cNvPr id="6" name="Title 1">
             <a:extLst>
               <a:ext uri="{FF2B5EF4-FFF2-40B4-BE49-F238E27FC236}">
@@ -3991,6 +3985,254 @@
           </a:p>
         </p:txBody>
       </p:sp>
+      <p:pic>
+        <p:nvPicPr>
+          <p:cNvPr id="15" name="Content Placeholder 14">
+            <a:extLst>
+              <a:ext uri="{FF2B5EF4-FFF2-40B4-BE49-F238E27FC236}">
+                <a16:creationId xmlns:a16="http://schemas.microsoft.com/office/drawing/2014/main" id="{5F4B9DE0-EB73-5468-0C9C-385CCF3DDBEB}"/>
+              </a:ext>
+            </a:extLst>
+          </p:cNvPr>
+          <p:cNvPicPr>
+            <a:picLocks noGrp="1" noChangeAspect="1"/>
+          </p:cNvPicPr>
+          <p:nvPr>
+            <p:ph idx="1"/>
+          </p:nvPr>
+        </p:nvPicPr>
+        <p:blipFill>
+          <a:blip r:embed="rId2"/>
+          <a:stretch>
+            <a:fillRect/>
+          </a:stretch>
+        </p:blipFill>
+        <p:spPr>
+          <a:xfrm>
+            <a:off x="838199" y="1868723"/>
+            <a:ext cx="2648578" cy="1646693"/>
+          </a:xfrm>
+          <a:prstGeom prst="rect">
+            <a:avLst/>
+          </a:prstGeom>
+        </p:spPr>
+      </p:pic>
+      <p:pic>
+        <p:nvPicPr>
+          <p:cNvPr id="17" name="Picture 16">
+            <a:extLst>
+              <a:ext uri="{FF2B5EF4-FFF2-40B4-BE49-F238E27FC236}">
+                <a16:creationId xmlns:a16="http://schemas.microsoft.com/office/drawing/2014/main" id="{92BEA1A4-14BE-BA0F-4ECD-7CF896360EA7}"/>
+              </a:ext>
+            </a:extLst>
+          </p:cNvPr>
+          <p:cNvPicPr>
+            <a:picLocks noChangeAspect="1"/>
+          </p:cNvPicPr>
+          <p:nvPr/>
+        </p:nvPicPr>
+        <p:blipFill>
+          <a:blip r:embed="rId3"/>
+          <a:stretch>
+            <a:fillRect/>
+          </a:stretch>
+        </p:blipFill>
+        <p:spPr>
+          <a:xfrm>
+            <a:off x="4773080" y="1782306"/>
+            <a:ext cx="3610479" cy="1819529"/>
+          </a:xfrm>
+          <a:prstGeom prst="rect">
+            <a:avLst/>
+          </a:prstGeom>
+        </p:spPr>
+      </p:pic>
+      <p:pic>
+        <p:nvPicPr>
+          <p:cNvPr id="19" name="Picture 18">
+            <a:extLst>
+              <a:ext uri="{FF2B5EF4-FFF2-40B4-BE49-F238E27FC236}">
+                <a16:creationId xmlns:a16="http://schemas.microsoft.com/office/drawing/2014/main" id="{9078C7CE-D5F3-BB23-F9DF-AE935B893439}"/>
+              </a:ext>
+            </a:extLst>
+          </p:cNvPr>
+          <p:cNvPicPr>
+            <a:picLocks noChangeAspect="1"/>
+          </p:cNvPicPr>
+          <p:nvPr/>
+        </p:nvPicPr>
+        <p:blipFill>
+          <a:blip r:embed="rId4"/>
+          <a:stretch>
+            <a:fillRect/>
+          </a:stretch>
+        </p:blipFill>
+        <p:spPr>
+          <a:xfrm>
+            <a:off x="9372206" y="1722621"/>
+            <a:ext cx="2819794" cy="1943371"/>
+          </a:xfrm>
+          <a:prstGeom prst="rect">
+            <a:avLst/>
+          </a:prstGeom>
+        </p:spPr>
+      </p:pic>
+      <p:pic>
+        <p:nvPicPr>
+          <p:cNvPr id="21" name="Picture 20">
+            <a:extLst>
+              <a:ext uri="{FF2B5EF4-FFF2-40B4-BE49-F238E27FC236}">
+                <a16:creationId xmlns:a16="http://schemas.microsoft.com/office/drawing/2014/main" id="{C79E066B-357B-312F-1B89-91EF5B834D6F}"/>
+              </a:ext>
+            </a:extLst>
+          </p:cNvPr>
+          <p:cNvPicPr>
+            <a:picLocks noChangeAspect="1"/>
+          </p:cNvPicPr>
+          <p:nvPr/>
+        </p:nvPicPr>
+        <p:blipFill>
+          <a:blip r:embed="rId5"/>
+          <a:stretch>
+            <a:fillRect/>
+          </a:stretch>
+        </p:blipFill>
+        <p:spPr>
+          <a:xfrm>
+            <a:off x="9457814" y="4616142"/>
+            <a:ext cx="2648577" cy="1427941"/>
+          </a:xfrm>
+          <a:prstGeom prst="rect">
+            <a:avLst/>
+          </a:prstGeom>
+        </p:spPr>
+      </p:pic>
+      <p:cxnSp>
+        <p:nvCxnSpPr>
+          <p:cNvPr id="23" name="Straight Arrow Connector 22">
+            <a:extLst>
+              <a:ext uri="{FF2B5EF4-FFF2-40B4-BE49-F238E27FC236}">
+                <a16:creationId xmlns:a16="http://schemas.microsoft.com/office/drawing/2014/main" id="{BB988F33-CB08-2FE7-862A-8BD3C01041D4}"/>
+              </a:ext>
+            </a:extLst>
+          </p:cNvPr>
+          <p:cNvCxnSpPr>
+            <a:stCxn id="15" idx="3"/>
+            <a:endCxn id="17" idx="1"/>
+          </p:cNvCxnSpPr>
+          <p:nvPr/>
+        </p:nvCxnSpPr>
+        <p:spPr>
+          <a:xfrm>
+            <a:off x="3486777" y="2692070"/>
+            <a:ext cx="1286303" cy="1"/>
+          </a:xfrm>
+          <a:prstGeom prst="straightConnector1">
+            <a:avLst/>
+          </a:prstGeom>
+          <a:ln>
+            <a:tailEnd type="triangle"/>
+          </a:ln>
+        </p:spPr>
+        <p:style>
+          <a:lnRef idx="2">
+            <a:schemeClr val="accent1"/>
+          </a:lnRef>
+          <a:fillRef idx="0">
+            <a:schemeClr val="accent1"/>
+          </a:fillRef>
+          <a:effectRef idx="1">
+            <a:schemeClr val="accent1"/>
+          </a:effectRef>
+          <a:fontRef idx="minor">
+            <a:schemeClr val="tx1"/>
+          </a:fontRef>
+        </p:style>
+      </p:cxnSp>
+      <p:cxnSp>
+        <p:nvCxnSpPr>
+          <p:cNvPr id="26" name="Straight Arrow Connector 25">
+            <a:extLst>
+              <a:ext uri="{FF2B5EF4-FFF2-40B4-BE49-F238E27FC236}">
+                <a16:creationId xmlns:a16="http://schemas.microsoft.com/office/drawing/2014/main" id="{97AC28CE-E53C-EC72-89EC-21D7FC51B65A}"/>
+              </a:ext>
+            </a:extLst>
+          </p:cNvPr>
+          <p:cNvCxnSpPr>
+            <a:stCxn id="17" idx="3"/>
+            <a:endCxn id="19" idx="1"/>
+          </p:cNvCxnSpPr>
+          <p:nvPr/>
+        </p:nvCxnSpPr>
+        <p:spPr>
+          <a:xfrm>
+            <a:off x="8383559" y="2692071"/>
+            <a:ext cx="988647" cy="2236"/>
+          </a:xfrm>
+          <a:prstGeom prst="straightConnector1">
+            <a:avLst/>
+          </a:prstGeom>
+          <a:ln>
+            <a:tailEnd type="triangle"/>
+          </a:ln>
+        </p:spPr>
+        <p:style>
+          <a:lnRef idx="2">
+            <a:schemeClr val="accent1"/>
+          </a:lnRef>
+          <a:fillRef idx="0">
+            <a:schemeClr val="accent1"/>
+          </a:fillRef>
+          <a:effectRef idx="1">
+            <a:schemeClr val="accent1"/>
+          </a:effectRef>
+          <a:fontRef idx="minor">
+            <a:schemeClr val="tx1"/>
+          </a:fontRef>
+        </p:style>
+      </p:cxnSp>
+      <p:cxnSp>
+        <p:nvCxnSpPr>
+          <p:cNvPr id="29" name="Straight Arrow Connector 28">
+            <a:extLst>
+              <a:ext uri="{FF2B5EF4-FFF2-40B4-BE49-F238E27FC236}">
+                <a16:creationId xmlns:a16="http://schemas.microsoft.com/office/drawing/2014/main" id="{C107DF9A-E8BC-4301-9A90-EFD374CC9DFB}"/>
+              </a:ext>
+            </a:extLst>
+          </p:cNvPr>
+          <p:cNvCxnSpPr>
+            <a:stCxn id="19" idx="2"/>
+            <a:endCxn id="21" idx="0"/>
+          </p:cNvCxnSpPr>
+          <p:nvPr/>
+        </p:nvCxnSpPr>
+        <p:spPr>
+          <a:xfrm>
+            <a:off x="10782103" y="3665992"/>
+            <a:ext cx="0" cy="950150"/>
+          </a:xfrm>
+          <a:prstGeom prst="straightConnector1">
+            <a:avLst/>
+          </a:prstGeom>
+          <a:ln>
+            <a:tailEnd type="triangle"/>
+          </a:ln>
+        </p:spPr>
+        <p:style>
+          <a:lnRef idx="2">
+            <a:schemeClr val="accent1"/>
+          </a:lnRef>
+          <a:fillRef idx="0">
+            <a:schemeClr val="accent1"/>
+          </a:fillRef>
+          <a:effectRef idx="1">
+            <a:schemeClr val="accent1"/>
+          </a:effectRef>
+          <a:fontRef idx="minor">
+            <a:schemeClr val="tx1"/>
+          </a:fontRef>
+        </p:style>
+      </p:cxnSp>
     </p:spTree>
     <p:extLst>
       <p:ext uri="{BB962C8B-B14F-4D97-AF65-F5344CB8AC3E}">
@@ -4484,17 +4726,190 @@
               <a:buFont typeface="Arial" panose="020B0604020202020204" pitchFamily="34" charset="0"/>
               <a:buNone/>
             </a:pPr>
-            <a:r>
-              <a:rPr lang="en-US" sz="4400" b="1" dirty="0">
-                <a:solidFill>
-                  <a:srgbClr val="FF0000"/>
-                </a:solidFill>
-              </a:rPr>
-              <a:t>Some DAG Examples</a:t>
-            </a:r>
-          </a:p>
-        </p:txBody>
-      </p:sp>
+            <a:endParaRPr lang="en-US" sz="4400" b="1" dirty="0">
+              <a:solidFill>
+                <a:srgbClr val="FF0000"/>
+              </a:solidFill>
+            </a:endParaRPr>
+          </a:p>
+        </p:txBody>
+      </p:sp>
+      <p:pic>
+        <p:nvPicPr>
+          <p:cNvPr id="5" name="Picture 4">
+            <a:extLst>
+              <a:ext uri="{FF2B5EF4-FFF2-40B4-BE49-F238E27FC236}">
+                <a16:creationId xmlns:a16="http://schemas.microsoft.com/office/drawing/2014/main" id="{6ECDC9CF-091F-2CE3-616A-B77B28BAE892}"/>
+              </a:ext>
+            </a:extLst>
+          </p:cNvPr>
+          <p:cNvPicPr>
+            <a:picLocks noChangeAspect="1"/>
+          </p:cNvPicPr>
+          <p:nvPr/>
+        </p:nvPicPr>
+        <p:blipFill>
+          <a:blip r:embed="rId2"/>
+          <a:stretch>
+            <a:fillRect/>
+          </a:stretch>
+        </p:blipFill>
+        <p:spPr>
+          <a:xfrm>
+            <a:off x="414467" y="4005342"/>
+            <a:ext cx="4067743" cy="1829055"/>
+          </a:xfrm>
+          <a:prstGeom prst="rect">
+            <a:avLst/>
+          </a:prstGeom>
+        </p:spPr>
+      </p:pic>
+      <p:pic>
+        <p:nvPicPr>
+          <p:cNvPr id="8" name="Picture 7">
+            <a:extLst>
+              <a:ext uri="{FF2B5EF4-FFF2-40B4-BE49-F238E27FC236}">
+                <a16:creationId xmlns:a16="http://schemas.microsoft.com/office/drawing/2014/main" id="{2DB49ADA-CAEA-A0FF-1938-60A3B136D770}"/>
+              </a:ext>
+            </a:extLst>
+          </p:cNvPr>
+          <p:cNvPicPr>
+            <a:picLocks noChangeAspect="1"/>
+          </p:cNvPicPr>
+          <p:nvPr/>
+        </p:nvPicPr>
+        <p:blipFill>
+          <a:blip r:embed="rId3"/>
+          <a:stretch>
+            <a:fillRect/>
+          </a:stretch>
+        </p:blipFill>
+        <p:spPr>
+          <a:xfrm>
+            <a:off x="5241106" y="4029157"/>
+            <a:ext cx="3419952" cy="1781424"/>
+          </a:xfrm>
+          <a:prstGeom prst="rect">
+            <a:avLst/>
+          </a:prstGeom>
+        </p:spPr>
+      </p:pic>
+      <p:pic>
+        <p:nvPicPr>
+          <p:cNvPr id="10" name="Picture 9">
+            <a:extLst>
+              <a:ext uri="{FF2B5EF4-FFF2-40B4-BE49-F238E27FC236}">
+                <a16:creationId xmlns:a16="http://schemas.microsoft.com/office/drawing/2014/main" id="{80B61507-34D7-FDDF-43ED-1AA5AD885D08}"/>
+              </a:ext>
+            </a:extLst>
+          </p:cNvPr>
+          <p:cNvPicPr>
+            <a:picLocks noChangeAspect="1"/>
+          </p:cNvPicPr>
+          <p:nvPr/>
+        </p:nvPicPr>
+        <p:blipFill>
+          <a:blip r:embed="rId4"/>
+          <a:stretch>
+            <a:fillRect/>
+          </a:stretch>
+        </p:blipFill>
+        <p:spPr>
+          <a:xfrm>
+            <a:off x="9419955" y="4095841"/>
+            <a:ext cx="2357578" cy="1648055"/>
+          </a:xfrm>
+          <a:prstGeom prst="rect">
+            <a:avLst/>
+          </a:prstGeom>
+        </p:spPr>
+      </p:pic>
+      <p:cxnSp>
+        <p:nvCxnSpPr>
+          <p:cNvPr id="16" name="Straight Arrow Connector 15">
+            <a:extLst>
+              <a:ext uri="{FF2B5EF4-FFF2-40B4-BE49-F238E27FC236}">
+                <a16:creationId xmlns:a16="http://schemas.microsoft.com/office/drawing/2014/main" id="{C8F5FAA8-C085-BEE8-3C93-CE96334C109D}"/>
+              </a:ext>
+            </a:extLst>
+          </p:cNvPr>
+          <p:cNvCxnSpPr>
+            <a:cxnSpLocks/>
+            <a:stCxn id="5" idx="3"/>
+            <a:endCxn id="8" idx="1"/>
+          </p:cNvCxnSpPr>
+          <p:nvPr/>
+        </p:nvCxnSpPr>
+        <p:spPr>
+          <a:xfrm flipV="1">
+            <a:off x="4482210" y="4919869"/>
+            <a:ext cx="758896" cy="1"/>
+          </a:xfrm>
+          <a:prstGeom prst="straightConnector1">
+            <a:avLst/>
+          </a:prstGeom>
+          <a:ln>
+            <a:tailEnd type="triangle"/>
+          </a:ln>
+        </p:spPr>
+        <p:style>
+          <a:lnRef idx="2">
+            <a:schemeClr val="accent1"/>
+          </a:lnRef>
+          <a:fillRef idx="0">
+            <a:schemeClr val="accent1"/>
+          </a:fillRef>
+          <a:effectRef idx="1">
+            <a:schemeClr val="accent1"/>
+          </a:effectRef>
+          <a:fontRef idx="minor">
+            <a:schemeClr val="tx1"/>
+          </a:fontRef>
+        </p:style>
+      </p:cxnSp>
+      <p:cxnSp>
+        <p:nvCxnSpPr>
+          <p:cNvPr id="20" name="Straight Arrow Connector 19">
+            <a:extLst>
+              <a:ext uri="{FF2B5EF4-FFF2-40B4-BE49-F238E27FC236}">
+                <a16:creationId xmlns:a16="http://schemas.microsoft.com/office/drawing/2014/main" id="{0073DA8C-46DC-400D-B01F-2D67487E63D0}"/>
+              </a:ext>
+            </a:extLst>
+          </p:cNvPr>
+          <p:cNvCxnSpPr>
+            <a:cxnSpLocks/>
+            <a:stCxn id="8" idx="3"/>
+            <a:endCxn id="10" idx="1"/>
+          </p:cNvCxnSpPr>
+          <p:nvPr/>
+        </p:nvCxnSpPr>
+        <p:spPr>
+          <a:xfrm>
+            <a:off x="8661058" y="4919869"/>
+            <a:ext cx="758897" cy="0"/>
+          </a:xfrm>
+          <a:prstGeom prst="straightConnector1">
+            <a:avLst/>
+          </a:prstGeom>
+          <a:ln>
+            <a:tailEnd type="triangle"/>
+          </a:ln>
+        </p:spPr>
+        <p:style>
+          <a:lnRef idx="2">
+            <a:schemeClr val="accent1"/>
+          </a:lnRef>
+          <a:fillRef idx="0">
+            <a:schemeClr val="accent1"/>
+          </a:fillRef>
+          <a:effectRef idx="1">
+            <a:schemeClr val="accent1"/>
+          </a:effectRef>
+          <a:fontRef idx="minor">
+            <a:schemeClr val="tx1"/>
+          </a:fontRef>
+        </p:style>
+      </p:cxnSp>
     </p:spTree>
     <p:extLst>
       <p:ext uri="{BB962C8B-B14F-4D97-AF65-F5344CB8AC3E}">
@@ -4509,191 +4924,6 @@
 </file>
 
 <file path=ppt/slides/slide13.xml><?xml version="1.0" encoding="utf-8"?>
-<p:sld xmlns:a="http://schemas.openxmlformats.org/drawingml/2006/main" xmlns:r="http://schemas.openxmlformats.org/officeDocument/2006/relationships" xmlns:p="http://schemas.openxmlformats.org/presentationml/2006/main">
-  <p:cSld>
-    <p:spTree>
-      <p:nvGrpSpPr>
-        <p:cNvPr id="1" name="">
-          <a:extLst>
-            <a:ext uri="{FF2B5EF4-FFF2-40B4-BE49-F238E27FC236}">
-              <a16:creationId xmlns:a16="http://schemas.microsoft.com/office/drawing/2014/main" id="{E91E4C0E-DF99-8B15-B1AE-5B71D8062370}"/>
-            </a:ext>
-          </a:extLst>
-        </p:cNvPr>
-        <p:cNvGrpSpPr/>
-        <p:nvPr/>
-      </p:nvGrpSpPr>
-      <p:grpSpPr>
-        <a:xfrm>
-          <a:off x="0" y="0"/>
-          <a:ext cx="0" cy="0"/>
-          <a:chOff x="0" y="0"/>
-          <a:chExt cx="0" cy="0"/>
-        </a:xfrm>
-      </p:grpSpPr>
-      <p:sp>
-        <p:nvSpPr>
-          <p:cNvPr id="6" name="Title 1">
-            <a:extLst>
-              <a:ext uri="{FF2B5EF4-FFF2-40B4-BE49-F238E27FC236}">
-                <a16:creationId xmlns:a16="http://schemas.microsoft.com/office/drawing/2014/main" id="{518CBBD1-3C59-A06A-8E74-863C017C54F9}"/>
-              </a:ext>
-            </a:extLst>
-          </p:cNvPr>
-          <p:cNvSpPr>
-            <a:spLocks noGrp="1"/>
-          </p:cNvSpPr>
-          <p:nvPr>
-            <p:ph type="title"/>
-          </p:nvPr>
-        </p:nvSpPr>
-        <p:spPr>
-          <a:xfrm>
-            <a:off x="838200" y="348797"/>
-            <a:ext cx="10515600" cy="1325563"/>
-          </a:xfrm>
-        </p:spPr>
-        <p:txBody>
-          <a:bodyPr/>
-          <a:lstStyle/>
-          <a:p>
-            <a:r>
-              <a:rPr lang="en-US" dirty="0">
-                <a:solidFill>
-                  <a:schemeClr val="tx2">
-                    <a:lumMod val="75000"/>
-                    <a:lumOff val="25000"/>
-                  </a:schemeClr>
-                </a:solidFill>
-              </a:rPr>
-              <a:t>LLVM Backend Pipeline</a:t>
-            </a:r>
-            <a:br>
-              <a:rPr lang="en-US" dirty="0">
-                <a:solidFill>
-                  <a:schemeClr val="tx2">
-                    <a:lumMod val="75000"/>
-                    <a:lumOff val="25000"/>
-                  </a:schemeClr>
-                </a:solidFill>
-              </a:rPr>
-            </a:br>
-            <a:r>
-              <a:rPr lang="en-US" sz="2800" dirty="0">
-                <a:solidFill>
-                  <a:schemeClr val="tx2">
-                    <a:lumMod val="50000"/>
-                    <a:lumOff val="50000"/>
-                  </a:schemeClr>
-                </a:solidFill>
-              </a:rPr>
-              <a:t>Scheduling and Formation(</a:t>
-            </a:r>
-            <a:r>
-              <a:rPr lang="en-US" sz="2800" dirty="0" err="1">
-                <a:solidFill>
-                  <a:schemeClr val="tx2">
-                    <a:lumMod val="50000"/>
-                    <a:lumOff val="50000"/>
-                  </a:schemeClr>
-                </a:solidFill>
-              </a:rPr>
-              <a:t>TableGen</a:t>
-            </a:r>
-            <a:r>
-              <a:rPr lang="en-US" sz="2800" dirty="0">
-                <a:solidFill>
-                  <a:schemeClr val="tx2">
-                    <a:lumMod val="50000"/>
-                    <a:lumOff val="50000"/>
-                  </a:schemeClr>
-                </a:solidFill>
-              </a:rPr>
-              <a:t>)</a:t>
-            </a:r>
-            <a:endParaRPr lang="en-US" dirty="0">
-              <a:solidFill>
-                <a:schemeClr val="tx2">
-                  <a:lumMod val="50000"/>
-                  <a:lumOff val="50000"/>
-                </a:schemeClr>
-              </a:solidFill>
-            </a:endParaRPr>
-          </a:p>
-        </p:txBody>
-      </p:sp>
-      <p:sp>
-        <p:nvSpPr>
-          <p:cNvPr id="2" name="Content Placeholder 2">
-            <a:extLst>
-              <a:ext uri="{FF2B5EF4-FFF2-40B4-BE49-F238E27FC236}">
-                <a16:creationId xmlns:a16="http://schemas.microsoft.com/office/drawing/2014/main" id="{716FC0C7-58B8-A56C-D7DB-8A75AE38DAB0}"/>
-              </a:ext>
-            </a:extLst>
-          </p:cNvPr>
-          <p:cNvSpPr>
-            <a:spLocks noGrp="1"/>
-          </p:cNvSpPr>
-          <p:nvPr>
-            <p:ph idx="1"/>
-          </p:nvPr>
-        </p:nvSpPr>
-        <p:spPr>
-          <a:xfrm>
-            <a:off x="838200" y="3060700"/>
-            <a:ext cx="10775950" cy="5397500"/>
-          </a:xfrm>
-        </p:spPr>
-        <p:txBody>
-          <a:bodyPr>
-            <a:normAutofit/>
-          </a:bodyPr>
-          <a:lstStyle/>
-          <a:p>
-            <a:pPr marL="0" indent="0">
-              <a:buNone/>
-            </a:pPr>
-            <a:r>
-              <a:rPr lang="en-US" sz="4400" b="1" dirty="0">
-                <a:solidFill>
-                  <a:srgbClr val="FF0000"/>
-                </a:solidFill>
-              </a:rPr>
-              <a:t>Some </a:t>
-            </a:r>
-            <a:r>
-              <a:rPr lang="en-US" sz="4400" b="1" dirty="0" err="1">
-                <a:solidFill>
-                  <a:srgbClr val="FF0000"/>
-                </a:solidFill>
-              </a:rPr>
-              <a:t>TableGen</a:t>
-            </a:r>
-            <a:r>
-              <a:rPr lang="en-US" sz="4400" b="1" dirty="0">
-                <a:solidFill>
-                  <a:srgbClr val="FF0000"/>
-                </a:solidFill>
-              </a:rPr>
-              <a:t> Examples</a:t>
-            </a:r>
-          </a:p>
-        </p:txBody>
-      </p:sp>
-    </p:spTree>
-    <p:extLst>
-      <p:ext uri="{BB962C8B-B14F-4D97-AF65-F5344CB8AC3E}">
-        <p14:creationId xmlns:p14="http://schemas.microsoft.com/office/powerpoint/2010/main" val="1622434023"/>
-      </p:ext>
-    </p:extLst>
-  </p:cSld>
-  <p:clrMapOvr>
-    <a:masterClrMapping/>
-  </p:clrMapOvr>
-</p:sld>
-</file>
-
-<file path=ppt/slides/slide14.xml><?xml version="1.0" encoding="utf-8"?>
 <p:sld xmlns:a="http://schemas.openxmlformats.org/drawingml/2006/main" xmlns:r="http://schemas.openxmlformats.org/officeDocument/2006/relationships" xmlns:p="http://schemas.openxmlformats.org/presentationml/2006/main">
   <p:cSld>
     <p:spTree>
@@ -4848,7 +5078,7 @@
 </p:sld>
 </file>
 
-<file path=ppt/slides/slide15.xml><?xml version="1.0" encoding="utf-8"?>
+<file path=ppt/slides/slide14.xml><?xml version="1.0" encoding="utf-8"?>
 <p:sld xmlns:a="http://schemas.openxmlformats.org/drawingml/2006/main" xmlns:r="http://schemas.openxmlformats.org/officeDocument/2006/relationships" xmlns:p="http://schemas.openxmlformats.org/presentationml/2006/main">
   <p:cSld>
     <p:spTree>
@@ -4958,8 +5188,8 @@
         </p:nvSpPr>
         <p:spPr>
           <a:xfrm>
-            <a:off x="2834640" y="3182620"/>
-            <a:ext cx="10775950" cy="5397500"/>
+            <a:off x="0" y="1600200"/>
+            <a:ext cx="12192000" cy="5158410"/>
           </a:xfrm>
         </p:spPr>
         <p:txBody>
@@ -4971,14 +5201,96 @@
             <a:pPr marL="0" indent="0">
               <a:buNone/>
             </a:pPr>
-            <a:r>
-              <a:rPr lang="en-US" sz="4400" b="1" dirty="0">
-                <a:solidFill>
-                  <a:srgbClr val="FF0000"/>
-                </a:solidFill>
-              </a:rPr>
-              <a:t>Some Peephole Examples</a:t>
-            </a:r>
+            <a:endParaRPr lang="en-US" sz="1600" b="1" dirty="0"/>
+          </a:p>
+          <a:p>
+            <a:r>
+              <a:rPr lang="en-US" b="1" dirty="0"/>
+              <a:t>Peephole optimization</a:t>
+            </a:r>
+            <a:r>
+              <a:rPr lang="en-US" dirty="0"/>
+              <a:t> is a </a:t>
+            </a:r>
+            <a:r>
+              <a:rPr lang="en-US" i="1" dirty="0"/>
+              <a:t>local</a:t>
+            </a:r>
+            <a:r>
+              <a:rPr lang="en-US" dirty="0"/>
+              <a:t> optimization technique that looks at </a:t>
+            </a:r>
+            <a:r>
+              <a:rPr lang="en-US" b="1" dirty="0"/>
+              <a:t>small windows ("peepholes") of instructions</a:t>
+            </a:r>
+            <a:r>
+              <a:rPr lang="en-US" dirty="0"/>
+              <a:t> and replaces inefficient sequences with faster/simpler ones.</a:t>
+            </a:r>
+          </a:p>
+          <a:p>
+            <a:r>
+              <a:rPr lang="en-US" dirty="0"/>
+              <a:t>These are </a:t>
+            </a:r>
+            <a:r>
+              <a:rPr lang="en-US" b="1" dirty="0"/>
+              <a:t>target-specific</a:t>
+            </a:r>
+            <a:r>
+              <a:rPr lang="en-US" dirty="0"/>
+              <a:t> and operate on </a:t>
+            </a:r>
+            <a:r>
+              <a:rPr lang="en-US" b="1" dirty="0"/>
+              <a:t>Machine Instructions</a:t>
+            </a:r>
+            <a:r>
+              <a:rPr lang="en-US" dirty="0"/>
+              <a:t>, not on LLVM IR.</a:t>
+            </a:r>
+          </a:p>
+          <a:p>
+            <a:r>
+              <a:rPr lang="en-US" dirty="0"/>
+              <a:t>LLVM performs </a:t>
+            </a:r>
+            <a:r>
+              <a:rPr lang="en-US" b="1" dirty="0"/>
+              <a:t>SSA-based optimizations</a:t>
+            </a:r>
+            <a:r>
+              <a:rPr lang="en-US" dirty="0"/>
+              <a:t> not only at IR level but also during code generation through </a:t>
+            </a:r>
+            <a:r>
+              <a:rPr lang="en-US" b="1" dirty="0"/>
+              <a:t>Machine SSA Form</a:t>
+            </a:r>
+            <a:r>
+              <a:rPr lang="en-US" dirty="0"/>
+              <a:t>, before final lowering.</a:t>
+            </a:r>
+          </a:p>
+          <a:p>
+            <a:endParaRPr lang="en-US" sz="1600" dirty="0"/>
+          </a:p>
+          <a:p>
+            <a:pPr marL="0" indent="0">
+              <a:buNone/>
+            </a:pPr>
+            <a:endParaRPr lang="en-US" sz="1600" dirty="0"/>
+          </a:p>
+          <a:p>
+            <a:pPr marL="0" indent="0">
+              <a:buNone/>
+            </a:pPr>
+            <a:endParaRPr lang="en-US" sz="4400" b="1" dirty="0">
+              <a:solidFill>
+                <a:srgbClr val="FF0000"/>
+              </a:solidFill>
+            </a:endParaRPr>
           </a:p>
         </p:txBody>
       </p:sp>
@@ -4986,6 +5298,992 @@
     <p:extLst>
       <p:ext uri="{BB962C8B-B14F-4D97-AF65-F5344CB8AC3E}">
         <p14:creationId xmlns:p14="http://schemas.microsoft.com/office/powerpoint/2010/main" val="3841428866"/>
+      </p:ext>
+    </p:extLst>
+  </p:cSld>
+  <p:clrMapOvr>
+    <a:masterClrMapping/>
+  </p:clrMapOvr>
+</p:sld>
+</file>
+
+<file path=ppt/slides/slide15.xml><?xml version="1.0" encoding="utf-8"?>
+<p:sld xmlns:a="http://schemas.openxmlformats.org/drawingml/2006/main" xmlns:r="http://schemas.openxmlformats.org/officeDocument/2006/relationships" xmlns:p="http://schemas.openxmlformats.org/presentationml/2006/main">
+  <p:cSld>
+    <p:spTree>
+      <p:nvGrpSpPr>
+        <p:cNvPr id="1" name=""/>
+        <p:cNvGrpSpPr/>
+        <p:nvPr/>
+      </p:nvGrpSpPr>
+      <p:grpSpPr>
+        <a:xfrm>
+          <a:off x="0" y="0"/>
+          <a:ext cx="0" cy="0"/>
+          <a:chOff x="0" y="0"/>
+          <a:chExt cx="0" cy="0"/>
+        </a:xfrm>
+      </p:grpSpPr>
+      <p:sp>
+        <p:nvSpPr>
+          <p:cNvPr id="2" name="Title 1">
+            <a:extLst>
+              <a:ext uri="{FF2B5EF4-FFF2-40B4-BE49-F238E27FC236}">
+                <a16:creationId xmlns:a16="http://schemas.microsoft.com/office/drawing/2014/main" id="{4D76509D-CC2D-F9BA-4B09-3715FB91A4E4}"/>
+              </a:ext>
+            </a:extLst>
+          </p:cNvPr>
+          <p:cNvSpPr>
+            <a:spLocks noGrp="1"/>
+          </p:cNvSpPr>
+          <p:nvPr>
+            <p:ph type="title"/>
+          </p:nvPr>
+        </p:nvSpPr>
+        <p:spPr>
+          <a:xfrm>
+            <a:off x="178904" y="178904"/>
+            <a:ext cx="11174896" cy="1646721"/>
+          </a:xfrm>
+        </p:spPr>
+        <p:txBody>
+          <a:bodyPr>
+            <a:normAutofit fontScale="90000"/>
+          </a:bodyPr>
+          <a:lstStyle/>
+          <a:p>
+            <a:r>
+              <a:rPr lang="en-US" dirty="0">
+                <a:solidFill>
+                  <a:schemeClr val="tx2">
+                    <a:lumMod val="75000"/>
+                    <a:lumOff val="25000"/>
+                  </a:schemeClr>
+                </a:solidFill>
+              </a:rPr>
+              <a:t>LLVM Backend Pipeline</a:t>
+            </a:r>
+            <a:br>
+              <a:rPr lang="en-US" dirty="0">
+                <a:solidFill>
+                  <a:schemeClr val="tx2">
+                    <a:lumMod val="75000"/>
+                    <a:lumOff val="25000"/>
+                  </a:schemeClr>
+                </a:solidFill>
+              </a:rPr>
+            </a:br>
+            <a:r>
+              <a:rPr lang="en-US" dirty="0">
+                <a:solidFill>
+                  <a:schemeClr val="tx2">
+                    <a:lumMod val="50000"/>
+                    <a:lumOff val="50000"/>
+                  </a:schemeClr>
+                </a:solidFill>
+              </a:rPr>
+              <a:t>SSA-based Machine Code Optimizations(Peephole)</a:t>
+            </a:r>
+            <a:endParaRPr lang="en-US" dirty="0"/>
+          </a:p>
+        </p:txBody>
+      </p:sp>
+      <p:sp>
+        <p:nvSpPr>
+          <p:cNvPr id="4" name="Rectangle 1">
+            <a:extLst>
+              <a:ext uri="{FF2B5EF4-FFF2-40B4-BE49-F238E27FC236}">
+                <a16:creationId xmlns:a16="http://schemas.microsoft.com/office/drawing/2014/main" id="{DE9DBFA8-FCAB-F4E7-AD3D-CB0C9B087264}"/>
+              </a:ext>
+            </a:extLst>
+          </p:cNvPr>
+          <p:cNvSpPr>
+            <a:spLocks noGrp="1" noChangeArrowheads="1"/>
+          </p:cNvSpPr>
+          <p:nvPr>
+            <p:ph idx="1"/>
+          </p:nvPr>
+        </p:nvSpPr>
+        <p:spPr bwMode="auto">
+          <a:xfrm>
+            <a:off x="838200" y="1608335"/>
+            <a:ext cx="10899913" cy="4785926"/>
+          </a:xfrm>
+          <a:prstGeom prst="rect">
+            <a:avLst/>
+          </a:prstGeom>
+          <a:noFill/>
+          <a:ln>
+            <a:noFill/>
+          </a:ln>
+          <a:effectLst/>
+          <a:extLst>
+            <a:ext uri="{909E8E84-426E-40DD-AFC4-6F175D3DCCD1}">
+              <a14:hiddenFill xmlns:a14="http://schemas.microsoft.com/office/drawing/2010/main">
+                <a:solidFill>
+                  <a:schemeClr val="accent1"/>
+                </a:solidFill>
+              </a14:hiddenFill>
+            </a:ext>
+            <a:ext uri="{91240B29-F687-4F45-9708-019B960494DF}">
+              <a14:hiddenLine xmlns:a14="http://schemas.microsoft.com/office/drawing/2010/main" w="9525">
+                <a:solidFill>
+                  <a:schemeClr val="tx1"/>
+                </a:solidFill>
+                <a:miter lim="800000"/>
+                <a:headEnd/>
+                <a:tailEnd/>
+              </a14:hiddenLine>
+            </a:ext>
+            <a:ext uri="{AF507438-7753-43E0-B8FC-AC1667EBCBE1}">
+              <a14:hiddenEffects xmlns:a14="http://schemas.microsoft.com/office/drawing/2010/main">
+                <a:effectLst>
+                  <a:outerShdw dist="35921" dir="2700000" algn="ctr" rotWithShape="0">
+                    <a:schemeClr val="bg2"/>
+                  </a:outerShdw>
+                </a:effectLst>
+              </a14:hiddenEffects>
+            </a:ext>
+          </a:extLst>
+        </p:spPr>
+        <p:txBody>
+          <a:bodyPr vert="horz" wrap="square" lIns="91440" tIns="45720" rIns="91440" bIns="45720" numCol="1" anchor="ctr" anchorCtr="0" compatLnSpc="1">
+            <a:prstTxWarp prst="textNoShape">
+              <a:avLst/>
+            </a:prstTxWarp>
+            <a:spAutoFit/>
+          </a:bodyPr>
+          <a:lstStyle/>
+          <a:p>
+            <a:pPr marL="0" marR="0" lvl="0" indent="0" algn="l" defTabSz="914400" rtl="0" eaLnBrk="0" fontAlgn="base" latinLnBrk="0" hangingPunct="0">
+              <a:lnSpc>
+                <a:spcPct val="100000"/>
+              </a:lnSpc>
+              <a:spcBef>
+                <a:spcPct val="0"/>
+              </a:spcBef>
+              <a:spcAft>
+                <a:spcPct val="0"/>
+              </a:spcAft>
+              <a:buClrTx/>
+              <a:buSzTx/>
+              <a:buFontTx/>
+              <a:buNone/>
+              <a:tabLst/>
+            </a:pPr>
+            <a:endParaRPr kumimoji="0" lang="en-US" altLang="en-US" sz="900" b="1" i="0" u="none" strike="noStrike" cap="none" normalizeH="0" baseline="0" dirty="0">
+              <a:ln>
+                <a:noFill/>
+              </a:ln>
+              <a:solidFill>
+                <a:schemeClr val="tx1"/>
+              </a:solidFill>
+              <a:effectLst/>
+              <a:latin typeface="Arial" panose="020B0604020202020204" pitchFamily="34" charset="0"/>
+            </a:endParaRPr>
+          </a:p>
+          <a:p>
+            <a:pPr marL="0" marR="0" lvl="0" indent="0" algn="l" defTabSz="914400" rtl="0" eaLnBrk="0" fontAlgn="base" latinLnBrk="0" hangingPunct="0">
+              <a:lnSpc>
+                <a:spcPct val="100000"/>
+              </a:lnSpc>
+              <a:spcBef>
+                <a:spcPct val="0"/>
+              </a:spcBef>
+              <a:spcAft>
+                <a:spcPct val="0"/>
+              </a:spcAft>
+              <a:buClrTx/>
+              <a:buSzTx/>
+              <a:buFontTx/>
+              <a:buAutoNum type="arabicPeriod"/>
+              <a:tabLst/>
+            </a:pPr>
+            <a:r>
+              <a:rPr kumimoji="0" lang="en-US" altLang="en-US" sz="2400" b="1" i="0" u="none" strike="noStrike" cap="none" normalizeH="0" baseline="0" dirty="0">
+                <a:ln>
+                  <a:noFill/>
+                </a:ln>
+                <a:solidFill>
+                  <a:schemeClr val="tx1"/>
+                </a:solidFill>
+                <a:effectLst/>
+                <a:latin typeface="Arial" panose="020B0604020202020204" pitchFamily="34" charset="0"/>
+              </a:rPr>
+              <a:t>Redundant Instruction Elimination</a:t>
+            </a:r>
+            <a:endParaRPr kumimoji="0" lang="en-US" altLang="en-US" sz="2400" b="0" i="0" u="none" strike="noStrike" cap="none" normalizeH="0" baseline="0" dirty="0">
+              <a:ln>
+                <a:noFill/>
+              </a:ln>
+              <a:solidFill>
+                <a:schemeClr val="tx1"/>
+              </a:solidFill>
+              <a:effectLst/>
+              <a:latin typeface="Arial Unicode MS" panose="020B0604020202020204" pitchFamily="34" charset="-128"/>
+            </a:endParaRPr>
+          </a:p>
+          <a:p>
+            <a:pPr marL="0" marR="0" lvl="0" indent="0" algn="l" defTabSz="914400" rtl="0" eaLnBrk="0" fontAlgn="base" latinLnBrk="0" hangingPunct="0">
+              <a:lnSpc>
+                <a:spcPct val="100000"/>
+              </a:lnSpc>
+              <a:spcBef>
+                <a:spcPct val="0"/>
+              </a:spcBef>
+              <a:spcAft>
+                <a:spcPct val="0"/>
+              </a:spcAft>
+              <a:buClrTx/>
+              <a:buSzTx/>
+              <a:buFontTx/>
+              <a:buNone/>
+              <a:tabLst/>
+            </a:pPr>
+            <a:endParaRPr kumimoji="0" lang="en-US" altLang="en-US" sz="1000" b="0" i="0" u="none" strike="noStrike" cap="none" normalizeH="0" baseline="0" dirty="0">
+              <a:ln>
+                <a:noFill/>
+              </a:ln>
+              <a:solidFill>
+                <a:schemeClr val="tx1"/>
+              </a:solidFill>
+              <a:effectLst/>
+              <a:latin typeface="Arial Unicode MS" panose="020B0604020202020204" pitchFamily="34" charset="-128"/>
+            </a:endParaRPr>
+          </a:p>
+          <a:p>
+            <a:pPr marL="0" marR="0" lvl="0" indent="0" algn="l" defTabSz="914400" rtl="0" eaLnBrk="0" fontAlgn="base" latinLnBrk="0" hangingPunct="0">
+              <a:lnSpc>
+                <a:spcPct val="100000"/>
+              </a:lnSpc>
+              <a:spcBef>
+                <a:spcPct val="0"/>
+              </a:spcBef>
+              <a:spcAft>
+                <a:spcPct val="0"/>
+              </a:spcAft>
+              <a:buClrTx/>
+              <a:buSzTx/>
+              <a:buFontTx/>
+              <a:buNone/>
+              <a:tabLst/>
+            </a:pPr>
+            <a:r>
+              <a:rPr kumimoji="0" lang="en-US" altLang="en-US" sz="1600" b="0" i="0" u="none" strike="noStrike" cap="none" normalizeH="0" baseline="0" dirty="0">
+                <a:ln>
+                  <a:noFill/>
+                </a:ln>
+                <a:solidFill>
+                  <a:schemeClr val="tx1"/>
+                </a:solidFill>
+                <a:effectLst/>
+                <a:latin typeface="Arial Unicode MS" panose="020B0604020202020204" pitchFamily="34" charset="-128"/>
+              </a:rPr>
+              <a:t>        Ex :- %1 = add i32 %a, 0 ; redundant, just use %a </a:t>
+            </a:r>
+          </a:p>
+          <a:p>
+            <a:pPr marL="0" marR="0" lvl="0" indent="0" algn="l" defTabSz="914400" rtl="0" eaLnBrk="0" fontAlgn="base" latinLnBrk="0" hangingPunct="0">
+              <a:lnSpc>
+                <a:spcPct val="100000"/>
+              </a:lnSpc>
+              <a:spcBef>
+                <a:spcPct val="0"/>
+              </a:spcBef>
+              <a:spcAft>
+                <a:spcPct val="0"/>
+              </a:spcAft>
+              <a:buClrTx/>
+              <a:buSzTx/>
+              <a:buFontTx/>
+              <a:buNone/>
+              <a:tabLst/>
+            </a:pPr>
+            <a:endParaRPr kumimoji="0" lang="en-US" altLang="en-US" sz="1600" b="0" i="0" u="none" strike="noStrike" cap="none" normalizeH="0" baseline="0" dirty="0">
+              <a:ln>
+                <a:noFill/>
+              </a:ln>
+              <a:solidFill>
+                <a:schemeClr val="tx1"/>
+              </a:solidFill>
+              <a:effectLst/>
+            </a:endParaRPr>
+          </a:p>
+          <a:p>
+            <a:pPr marL="0" marR="0" lvl="0" indent="0" algn="l" defTabSz="914400" rtl="0" eaLnBrk="0" fontAlgn="base" latinLnBrk="0" hangingPunct="0">
+              <a:lnSpc>
+                <a:spcPct val="100000"/>
+              </a:lnSpc>
+              <a:spcBef>
+                <a:spcPct val="0"/>
+              </a:spcBef>
+              <a:spcAft>
+                <a:spcPct val="0"/>
+              </a:spcAft>
+              <a:buClrTx/>
+              <a:buSzTx/>
+              <a:buFontTx/>
+              <a:buAutoNum type="arabicPeriod" startAt="2"/>
+              <a:tabLst/>
+            </a:pPr>
+            <a:r>
+              <a:rPr kumimoji="0" lang="en-US" altLang="en-US" sz="2400" b="1" i="0" u="none" strike="noStrike" cap="none" normalizeH="0" baseline="0" dirty="0">
+                <a:ln>
+                  <a:noFill/>
+                </a:ln>
+                <a:solidFill>
+                  <a:schemeClr val="tx1"/>
+                </a:solidFill>
+                <a:effectLst/>
+                <a:latin typeface="Arial" panose="020B0604020202020204" pitchFamily="34" charset="0"/>
+              </a:rPr>
+              <a:t>Combine Instructions</a:t>
+            </a:r>
+            <a:endParaRPr kumimoji="0" lang="en-US" altLang="en-US" sz="2400" b="0" i="0" u="none" strike="noStrike" cap="none" normalizeH="0" baseline="0" dirty="0">
+              <a:ln>
+                <a:noFill/>
+              </a:ln>
+              <a:solidFill>
+                <a:schemeClr val="tx1"/>
+              </a:solidFill>
+              <a:effectLst/>
+              <a:latin typeface="Arial" panose="020B0604020202020204" pitchFamily="34" charset="0"/>
+            </a:endParaRPr>
+          </a:p>
+          <a:p>
+            <a:pPr marL="457200" marR="0" lvl="1" indent="0" algn="l" defTabSz="914400" rtl="0" eaLnBrk="0" fontAlgn="base" latinLnBrk="0" hangingPunct="0">
+              <a:lnSpc>
+                <a:spcPct val="100000"/>
+              </a:lnSpc>
+              <a:spcBef>
+                <a:spcPct val="0"/>
+              </a:spcBef>
+              <a:spcAft>
+                <a:spcPct val="0"/>
+              </a:spcAft>
+              <a:buClrTx/>
+              <a:buSzTx/>
+              <a:buNone/>
+              <a:tabLst/>
+            </a:pPr>
+            <a:r>
+              <a:rPr kumimoji="0" lang="en-US" altLang="en-US" sz="1600" b="0" i="0" u="none" strike="noStrike" cap="none" normalizeH="0" baseline="0" dirty="0">
+                <a:ln>
+                  <a:noFill/>
+                </a:ln>
+                <a:solidFill>
+                  <a:schemeClr val="tx1"/>
+                </a:solidFill>
+                <a:effectLst/>
+                <a:latin typeface="Arial" panose="020B0604020202020204" pitchFamily="34" charset="0"/>
+              </a:rPr>
+              <a:t>Ex:- replace </a:t>
+            </a:r>
+            <a:r>
+              <a:rPr kumimoji="0" lang="en-US" altLang="en-US" sz="1600" b="0" i="0" u="none" strike="noStrike" cap="none" normalizeH="0" baseline="0" dirty="0">
+                <a:ln>
+                  <a:noFill/>
+                </a:ln>
+                <a:solidFill>
+                  <a:schemeClr val="tx1"/>
+                </a:solidFill>
+                <a:effectLst/>
+                <a:latin typeface="Arial Unicode MS" panose="020B0604020202020204" pitchFamily="34" charset="-128"/>
+              </a:rPr>
+              <a:t>mov </a:t>
+            </a:r>
+            <a:r>
+              <a:rPr kumimoji="0" lang="en-US" altLang="en-US" sz="1600" b="0" i="0" u="none" strike="noStrike" cap="none" normalizeH="0" baseline="0" dirty="0" err="1">
+                <a:ln>
+                  <a:noFill/>
+                </a:ln>
+                <a:solidFill>
+                  <a:schemeClr val="tx1"/>
+                </a:solidFill>
+                <a:effectLst/>
+                <a:latin typeface="Arial Unicode MS" panose="020B0604020202020204" pitchFamily="34" charset="-128"/>
+              </a:rPr>
+              <a:t>rax</a:t>
+            </a:r>
+            <a:r>
+              <a:rPr kumimoji="0" lang="en-US" altLang="en-US" sz="1600" b="0" i="0" u="none" strike="noStrike" cap="none" normalizeH="0" baseline="0" dirty="0">
+                <a:ln>
+                  <a:noFill/>
+                </a:ln>
+                <a:solidFill>
+                  <a:schemeClr val="tx1"/>
+                </a:solidFill>
+                <a:effectLst/>
+                <a:latin typeface="Arial Unicode MS" panose="020B0604020202020204" pitchFamily="34" charset="-128"/>
+              </a:rPr>
+              <a:t>, 0; add </a:t>
+            </a:r>
+            <a:r>
+              <a:rPr kumimoji="0" lang="en-US" altLang="en-US" sz="1600" b="0" i="0" u="none" strike="noStrike" cap="none" normalizeH="0" baseline="0" dirty="0" err="1">
+                <a:ln>
+                  <a:noFill/>
+                </a:ln>
+                <a:solidFill>
+                  <a:schemeClr val="tx1"/>
+                </a:solidFill>
+                <a:effectLst/>
+                <a:latin typeface="Arial Unicode MS" panose="020B0604020202020204" pitchFamily="34" charset="-128"/>
+              </a:rPr>
+              <a:t>rax</a:t>
+            </a:r>
+            <a:r>
+              <a:rPr kumimoji="0" lang="en-US" altLang="en-US" sz="1600" b="0" i="0" u="none" strike="noStrike" cap="none" normalizeH="0" baseline="0" dirty="0">
+                <a:ln>
+                  <a:noFill/>
+                </a:ln>
+                <a:solidFill>
+                  <a:schemeClr val="tx1"/>
+                </a:solidFill>
+                <a:effectLst/>
+                <a:latin typeface="Arial Unicode MS" panose="020B0604020202020204" pitchFamily="34" charset="-128"/>
+              </a:rPr>
+              <a:t>, </a:t>
+            </a:r>
+            <a:r>
+              <a:rPr kumimoji="0" lang="en-US" altLang="en-US" sz="1600" b="0" i="0" u="none" strike="noStrike" cap="none" normalizeH="0" baseline="0" dirty="0" err="1">
+                <a:ln>
+                  <a:noFill/>
+                </a:ln>
+                <a:solidFill>
+                  <a:schemeClr val="tx1"/>
+                </a:solidFill>
+                <a:effectLst/>
+                <a:latin typeface="Arial Unicode MS" panose="020B0604020202020204" pitchFamily="34" charset="-128"/>
+              </a:rPr>
+              <a:t>rbx</a:t>
+            </a:r>
+            <a:r>
+              <a:rPr kumimoji="0" lang="en-US" altLang="en-US" sz="1600" b="0" i="0" u="none" strike="noStrike" cap="none" normalizeH="0" baseline="0" dirty="0">
+                <a:ln>
+                  <a:noFill/>
+                </a:ln>
+                <a:solidFill>
+                  <a:schemeClr val="tx1"/>
+                </a:solidFill>
+                <a:effectLst/>
+              </a:rPr>
+              <a:t> → </a:t>
+            </a:r>
+            <a:r>
+              <a:rPr kumimoji="0" lang="en-US" altLang="en-US" sz="1600" b="0" i="0" u="none" strike="noStrike" cap="none" normalizeH="0" baseline="0" dirty="0">
+                <a:ln>
+                  <a:noFill/>
+                </a:ln>
+                <a:solidFill>
+                  <a:schemeClr val="tx1"/>
+                </a:solidFill>
+                <a:effectLst/>
+                <a:latin typeface="Arial Unicode MS" panose="020B0604020202020204" pitchFamily="34" charset="-128"/>
+              </a:rPr>
+              <a:t>mov </a:t>
+            </a:r>
+            <a:r>
+              <a:rPr kumimoji="0" lang="en-US" altLang="en-US" sz="1600" b="0" i="0" u="none" strike="noStrike" cap="none" normalizeH="0" baseline="0" dirty="0" err="1">
+                <a:ln>
+                  <a:noFill/>
+                </a:ln>
+                <a:solidFill>
+                  <a:schemeClr val="tx1"/>
+                </a:solidFill>
+                <a:effectLst/>
+                <a:latin typeface="Arial Unicode MS" panose="020B0604020202020204" pitchFamily="34" charset="-128"/>
+              </a:rPr>
+              <a:t>rax</a:t>
+            </a:r>
+            <a:r>
+              <a:rPr kumimoji="0" lang="en-US" altLang="en-US" sz="1600" b="0" i="0" u="none" strike="noStrike" cap="none" normalizeH="0" baseline="0" dirty="0">
+                <a:ln>
+                  <a:noFill/>
+                </a:ln>
+                <a:solidFill>
+                  <a:schemeClr val="tx1"/>
+                </a:solidFill>
+                <a:effectLst/>
+                <a:latin typeface="Arial Unicode MS" panose="020B0604020202020204" pitchFamily="34" charset="-128"/>
+              </a:rPr>
+              <a:t>, </a:t>
+            </a:r>
+            <a:r>
+              <a:rPr kumimoji="0" lang="en-US" altLang="en-US" sz="1600" b="0" i="0" u="none" strike="noStrike" cap="none" normalizeH="0" baseline="0" dirty="0" err="1">
+                <a:ln>
+                  <a:noFill/>
+                </a:ln>
+                <a:solidFill>
+                  <a:schemeClr val="tx1"/>
+                </a:solidFill>
+                <a:effectLst/>
+                <a:latin typeface="Arial Unicode MS" panose="020B0604020202020204" pitchFamily="34" charset="-128"/>
+              </a:rPr>
+              <a:t>rbx</a:t>
+            </a:r>
+            <a:endParaRPr kumimoji="0" lang="en-US" altLang="en-US" sz="1600" b="0" i="0" u="none" strike="noStrike" cap="none" normalizeH="0" baseline="0" dirty="0">
+              <a:ln>
+                <a:noFill/>
+              </a:ln>
+              <a:solidFill>
+                <a:schemeClr val="tx1"/>
+              </a:solidFill>
+              <a:effectLst/>
+              <a:latin typeface="Arial Unicode MS" panose="020B0604020202020204" pitchFamily="34" charset="-128"/>
+            </a:endParaRPr>
+          </a:p>
+          <a:p>
+            <a:pPr marL="457200" marR="0" lvl="1" indent="0" algn="l" defTabSz="914400" rtl="0" eaLnBrk="0" fontAlgn="base" latinLnBrk="0" hangingPunct="0">
+              <a:lnSpc>
+                <a:spcPct val="100000"/>
+              </a:lnSpc>
+              <a:spcBef>
+                <a:spcPct val="0"/>
+              </a:spcBef>
+              <a:spcAft>
+                <a:spcPct val="0"/>
+              </a:spcAft>
+              <a:buClrTx/>
+              <a:buSzTx/>
+              <a:buNone/>
+              <a:tabLst/>
+            </a:pPr>
+            <a:endParaRPr kumimoji="0" lang="en-US" altLang="en-US" sz="1600" b="0" i="0" u="none" strike="noStrike" cap="none" normalizeH="0" baseline="0" dirty="0">
+              <a:ln>
+                <a:noFill/>
+              </a:ln>
+              <a:solidFill>
+                <a:schemeClr val="tx1"/>
+              </a:solidFill>
+              <a:effectLst/>
+            </a:endParaRPr>
+          </a:p>
+          <a:p>
+            <a:pPr marL="0" marR="0" lvl="0" indent="0" algn="l" defTabSz="914400" rtl="0" eaLnBrk="0" fontAlgn="base" latinLnBrk="0" hangingPunct="0">
+              <a:lnSpc>
+                <a:spcPct val="100000"/>
+              </a:lnSpc>
+              <a:spcBef>
+                <a:spcPct val="0"/>
+              </a:spcBef>
+              <a:spcAft>
+                <a:spcPct val="0"/>
+              </a:spcAft>
+              <a:buClrTx/>
+              <a:buSzTx/>
+              <a:buFontTx/>
+              <a:buAutoNum type="arabicPeriod" startAt="3"/>
+              <a:tabLst/>
+            </a:pPr>
+            <a:r>
+              <a:rPr kumimoji="0" lang="en-US" altLang="en-US" sz="2400" b="1" i="0" u="none" strike="noStrike" cap="none" normalizeH="0" baseline="0" dirty="0">
+                <a:ln>
+                  <a:noFill/>
+                </a:ln>
+                <a:solidFill>
+                  <a:schemeClr val="tx1"/>
+                </a:solidFill>
+                <a:effectLst/>
+                <a:latin typeface="Arial" panose="020B0604020202020204" pitchFamily="34" charset="0"/>
+              </a:rPr>
+              <a:t>Fold Loads/Stores</a:t>
+            </a:r>
+            <a:endParaRPr kumimoji="0" lang="en-US" altLang="en-US" sz="2400" b="0" i="0" u="none" strike="noStrike" cap="none" normalizeH="0" baseline="0" dirty="0">
+              <a:ln>
+                <a:noFill/>
+              </a:ln>
+              <a:solidFill>
+                <a:schemeClr val="tx1"/>
+              </a:solidFill>
+              <a:effectLst/>
+              <a:latin typeface="Arial" panose="020B0604020202020204" pitchFamily="34" charset="0"/>
+            </a:endParaRPr>
+          </a:p>
+          <a:p>
+            <a:pPr marL="457200" marR="0" lvl="1" indent="0" algn="l" defTabSz="914400" rtl="0" eaLnBrk="0" fontAlgn="base" latinLnBrk="0" hangingPunct="0">
+              <a:lnSpc>
+                <a:spcPct val="100000"/>
+              </a:lnSpc>
+              <a:spcBef>
+                <a:spcPct val="0"/>
+              </a:spcBef>
+              <a:spcAft>
+                <a:spcPct val="0"/>
+              </a:spcAft>
+              <a:buClrTx/>
+              <a:buSzTx/>
+              <a:buNone/>
+              <a:tabLst/>
+            </a:pPr>
+            <a:r>
+              <a:rPr kumimoji="0" lang="en-US" altLang="en-US" sz="1600" b="0" i="0" u="none" strike="noStrike" cap="none" normalizeH="0" baseline="0" dirty="0">
+                <a:ln>
+                  <a:noFill/>
+                </a:ln>
+                <a:solidFill>
+                  <a:schemeClr val="tx1"/>
+                </a:solidFill>
+                <a:effectLst/>
+                <a:latin typeface="Arial" panose="020B0604020202020204" pitchFamily="34" charset="0"/>
+              </a:rPr>
+              <a:t>If a </a:t>
+            </a:r>
+            <a:r>
+              <a:rPr kumimoji="0" lang="en-US" altLang="en-US" sz="1600" b="0" i="0" u="none" strike="noStrike" cap="none" normalizeH="0" baseline="0" dirty="0">
+                <a:ln>
+                  <a:noFill/>
+                </a:ln>
+                <a:solidFill>
+                  <a:schemeClr val="tx1"/>
+                </a:solidFill>
+                <a:effectLst/>
+                <a:latin typeface="Arial Unicode MS" panose="020B0604020202020204" pitchFamily="34" charset="-128"/>
+              </a:rPr>
+              <a:t>load</a:t>
+            </a:r>
+            <a:r>
+              <a:rPr kumimoji="0" lang="en-US" altLang="en-US" sz="1600" b="0" i="0" u="none" strike="noStrike" cap="none" normalizeH="0" baseline="0" dirty="0">
+                <a:ln>
+                  <a:noFill/>
+                </a:ln>
+                <a:solidFill>
+                  <a:schemeClr val="tx1"/>
+                </a:solidFill>
+                <a:effectLst/>
+              </a:rPr>
+              <a:t> is immediately followed by an operation, and the architecture supports </a:t>
+            </a:r>
+            <a:r>
+              <a:rPr kumimoji="0" lang="en-US" altLang="en-US" sz="1600" b="0" i="0" u="none" strike="noStrike" cap="none" normalizeH="0" baseline="0" dirty="0" err="1">
+                <a:ln>
+                  <a:noFill/>
+                </a:ln>
+                <a:solidFill>
+                  <a:schemeClr val="tx1"/>
+                </a:solidFill>
+                <a:effectLst/>
+                <a:latin typeface="Arial Unicode MS" panose="020B0604020202020204" pitchFamily="34" charset="-128"/>
+              </a:rPr>
+              <a:t>load+op</a:t>
+            </a:r>
+            <a:r>
+              <a:rPr kumimoji="0" lang="en-US" altLang="en-US" sz="1600" b="0" i="0" u="none" strike="noStrike" cap="none" normalizeH="0" baseline="0" dirty="0">
+                <a:ln>
+                  <a:noFill/>
+                </a:ln>
+                <a:solidFill>
+                  <a:schemeClr val="tx1"/>
+                </a:solidFill>
+                <a:effectLst/>
+              </a:rPr>
+              <a:t>, combine them</a:t>
+            </a:r>
+            <a:r>
+              <a:rPr kumimoji="0" lang="en-US" altLang="en-US" sz="800" b="0" i="0" u="none" strike="noStrike" cap="none" normalizeH="0" baseline="0" dirty="0">
+                <a:ln>
+                  <a:noFill/>
+                </a:ln>
+                <a:solidFill>
+                  <a:schemeClr val="tx1"/>
+                </a:solidFill>
+                <a:effectLst/>
+              </a:rPr>
+              <a:t>.</a:t>
+            </a:r>
+          </a:p>
+          <a:p>
+            <a:pPr marL="457200" marR="0" lvl="1" indent="0" algn="l" defTabSz="914400" rtl="0" eaLnBrk="0" fontAlgn="base" latinLnBrk="0" hangingPunct="0">
+              <a:lnSpc>
+                <a:spcPct val="100000"/>
+              </a:lnSpc>
+              <a:spcBef>
+                <a:spcPct val="0"/>
+              </a:spcBef>
+              <a:spcAft>
+                <a:spcPct val="0"/>
+              </a:spcAft>
+              <a:buClrTx/>
+              <a:buSzTx/>
+              <a:buNone/>
+              <a:tabLst/>
+            </a:pPr>
+            <a:endParaRPr kumimoji="0" lang="en-US" altLang="en-US" sz="1800" b="0" i="0" u="none" strike="noStrike" cap="none" normalizeH="0" baseline="0" dirty="0">
+              <a:ln>
+                <a:noFill/>
+              </a:ln>
+              <a:solidFill>
+                <a:schemeClr val="tx1"/>
+              </a:solidFill>
+              <a:effectLst/>
+              <a:latin typeface="Arial" panose="020B0604020202020204" pitchFamily="34" charset="0"/>
+            </a:endParaRPr>
+          </a:p>
+          <a:p>
+            <a:pPr marL="0" marR="0" lvl="0" indent="0" algn="l" defTabSz="914400" rtl="0" eaLnBrk="0" fontAlgn="base" latinLnBrk="0" hangingPunct="0">
+              <a:lnSpc>
+                <a:spcPct val="100000"/>
+              </a:lnSpc>
+              <a:spcBef>
+                <a:spcPct val="0"/>
+              </a:spcBef>
+              <a:spcAft>
+                <a:spcPct val="0"/>
+              </a:spcAft>
+              <a:buClrTx/>
+              <a:buSzTx/>
+              <a:buFontTx/>
+              <a:buAutoNum type="arabicPeriod" startAt="4"/>
+              <a:tabLst/>
+            </a:pPr>
+            <a:r>
+              <a:rPr kumimoji="0" lang="en-US" altLang="en-US" sz="2400" b="1" i="0" u="none" strike="noStrike" cap="none" normalizeH="0" baseline="0" dirty="0">
+                <a:ln>
+                  <a:noFill/>
+                </a:ln>
+                <a:solidFill>
+                  <a:schemeClr val="tx1"/>
+                </a:solidFill>
+                <a:effectLst/>
+                <a:latin typeface="Arial" panose="020B0604020202020204" pitchFamily="34" charset="0"/>
+              </a:rPr>
+              <a:t>Strength Reduction</a:t>
+            </a:r>
+            <a:endParaRPr kumimoji="0" lang="en-US" altLang="en-US" sz="2400" b="0" i="0" u="none" strike="noStrike" cap="none" normalizeH="0" baseline="0" dirty="0">
+              <a:ln>
+                <a:noFill/>
+              </a:ln>
+              <a:solidFill>
+                <a:schemeClr val="tx1"/>
+              </a:solidFill>
+              <a:effectLst/>
+              <a:latin typeface="Arial" panose="020B0604020202020204" pitchFamily="34" charset="0"/>
+            </a:endParaRPr>
+          </a:p>
+          <a:p>
+            <a:pPr marL="457200" marR="0" lvl="1" indent="0" algn="l" defTabSz="914400" rtl="0" eaLnBrk="0" fontAlgn="base" latinLnBrk="0" hangingPunct="0">
+              <a:lnSpc>
+                <a:spcPct val="100000"/>
+              </a:lnSpc>
+              <a:spcBef>
+                <a:spcPct val="0"/>
+              </a:spcBef>
+              <a:spcAft>
+                <a:spcPct val="0"/>
+              </a:spcAft>
+              <a:buClrTx/>
+              <a:buSzTx/>
+              <a:buNone/>
+              <a:tabLst/>
+            </a:pPr>
+            <a:r>
+              <a:rPr kumimoji="0" lang="en-US" altLang="en-US" sz="1600" b="0" i="0" u="none" strike="noStrike" cap="none" normalizeH="0" baseline="0" dirty="0">
+                <a:ln>
+                  <a:noFill/>
+                </a:ln>
+                <a:solidFill>
+                  <a:schemeClr val="tx1"/>
+                </a:solidFill>
+                <a:effectLst/>
+                <a:latin typeface="Arial" panose="020B0604020202020204" pitchFamily="34" charset="0"/>
+              </a:rPr>
+              <a:t>Replace expensive ops like </a:t>
+            </a:r>
+            <a:r>
+              <a:rPr kumimoji="0" lang="en-US" altLang="en-US" sz="1600" b="0" i="0" u="none" strike="noStrike" cap="none" normalizeH="0" baseline="0" dirty="0" err="1">
+                <a:ln>
+                  <a:noFill/>
+                </a:ln>
+                <a:solidFill>
+                  <a:schemeClr val="tx1"/>
+                </a:solidFill>
+                <a:effectLst/>
+                <a:latin typeface="Arial Unicode MS" panose="020B0604020202020204" pitchFamily="34" charset="-128"/>
+              </a:rPr>
+              <a:t>mul</a:t>
+            </a:r>
+            <a:r>
+              <a:rPr kumimoji="0" lang="en-US" altLang="en-US" sz="1600" b="0" i="0" u="none" strike="noStrike" cap="none" normalizeH="0" baseline="0" dirty="0">
+                <a:ln>
+                  <a:noFill/>
+                </a:ln>
+                <a:solidFill>
+                  <a:schemeClr val="tx1"/>
+                </a:solidFill>
+                <a:effectLst/>
+              </a:rPr>
+              <a:t> by powers of 2 with </a:t>
+            </a:r>
+            <a:r>
+              <a:rPr kumimoji="0" lang="en-US" altLang="en-US" sz="1600" b="0" i="0" u="none" strike="noStrike" cap="none" normalizeH="0" baseline="0" dirty="0" err="1">
+                <a:ln>
+                  <a:noFill/>
+                </a:ln>
+                <a:solidFill>
+                  <a:schemeClr val="tx1"/>
+                </a:solidFill>
+                <a:effectLst/>
+                <a:latin typeface="Arial Unicode MS" panose="020B0604020202020204" pitchFamily="34" charset="-128"/>
+              </a:rPr>
+              <a:t>shl</a:t>
+            </a:r>
+            <a:r>
+              <a:rPr kumimoji="0" lang="en-US" altLang="en-US" sz="1600" b="0" i="0" u="none" strike="noStrike" cap="none" normalizeH="0" baseline="0" dirty="0">
+                <a:ln>
+                  <a:noFill/>
+                </a:ln>
+                <a:solidFill>
+                  <a:schemeClr val="tx1"/>
+                </a:solidFill>
+                <a:effectLst/>
+              </a:rPr>
+              <a:t>.</a:t>
+            </a:r>
+          </a:p>
+          <a:p>
+            <a:pPr marL="457200" marR="0" lvl="1" indent="0" algn="l" defTabSz="914400" rtl="0" eaLnBrk="0" fontAlgn="base" latinLnBrk="0" hangingPunct="0">
+              <a:lnSpc>
+                <a:spcPct val="100000"/>
+              </a:lnSpc>
+              <a:spcBef>
+                <a:spcPct val="0"/>
+              </a:spcBef>
+              <a:spcAft>
+                <a:spcPct val="0"/>
+              </a:spcAft>
+              <a:buClrTx/>
+              <a:buSzTx/>
+              <a:buNone/>
+              <a:tabLst/>
+            </a:pPr>
+            <a:endParaRPr kumimoji="0" lang="en-US" altLang="en-US" sz="1600" b="0" i="0" u="none" strike="noStrike" cap="none" normalizeH="0" baseline="0" dirty="0">
+              <a:ln>
+                <a:noFill/>
+              </a:ln>
+              <a:solidFill>
+                <a:schemeClr val="tx1"/>
+              </a:solidFill>
+              <a:effectLst/>
+              <a:latin typeface="Arial" panose="020B0604020202020204" pitchFamily="34" charset="0"/>
+            </a:endParaRPr>
+          </a:p>
+          <a:p>
+            <a:pPr marL="0" marR="0" lvl="0" indent="0" algn="l" defTabSz="914400" rtl="0" eaLnBrk="0" fontAlgn="base" latinLnBrk="0" hangingPunct="0">
+              <a:lnSpc>
+                <a:spcPct val="100000"/>
+              </a:lnSpc>
+              <a:spcBef>
+                <a:spcPct val="0"/>
+              </a:spcBef>
+              <a:spcAft>
+                <a:spcPct val="0"/>
+              </a:spcAft>
+              <a:buClrTx/>
+              <a:buSzTx/>
+              <a:buFontTx/>
+              <a:buAutoNum type="arabicPeriod" startAt="5"/>
+              <a:tabLst/>
+            </a:pPr>
+            <a:r>
+              <a:rPr kumimoji="0" lang="en-US" altLang="en-US" sz="2400" b="1" i="0" u="none" strike="noStrike" cap="none" normalizeH="0" baseline="0" dirty="0">
+                <a:ln>
+                  <a:noFill/>
+                </a:ln>
+                <a:solidFill>
+                  <a:schemeClr val="tx1"/>
+                </a:solidFill>
+                <a:effectLst/>
+                <a:latin typeface="Arial" panose="020B0604020202020204" pitchFamily="34" charset="0"/>
+              </a:rPr>
+              <a:t>Copy Propagation</a:t>
+            </a:r>
+            <a:endParaRPr kumimoji="0" lang="en-US" altLang="en-US" sz="2400" b="0" i="0" u="none" strike="noStrike" cap="none" normalizeH="0" baseline="0" dirty="0">
+              <a:ln>
+                <a:noFill/>
+              </a:ln>
+              <a:solidFill>
+                <a:schemeClr val="tx1"/>
+              </a:solidFill>
+              <a:effectLst/>
+              <a:latin typeface="Arial" panose="020B0604020202020204" pitchFamily="34" charset="0"/>
+            </a:endParaRPr>
+          </a:p>
+          <a:p>
+            <a:pPr marL="457200" marR="0" lvl="1" indent="0" algn="l" defTabSz="914400" rtl="0" eaLnBrk="0" fontAlgn="base" latinLnBrk="0" hangingPunct="0">
+              <a:lnSpc>
+                <a:spcPct val="100000"/>
+              </a:lnSpc>
+              <a:spcBef>
+                <a:spcPct val="0"/>
+              </a:spcBef>
+              <a:spcAft>
+                <a:spcPct val="0"/>
+              </a:spcAft>
+              <a:buClrTx/>
+              <a:buSzTx/>
+              <a:buNone/>
+              <a:tabLst/>
+            </a:pPr>
+            <a:r>
+              <a:rPr kumimoji="0" lang="en-US" altLang="en-US" sz="1600" b="0" i="0" u="none" strike="noStrike" cap="none" normalizeH="0" baseline="0" dirty="0">
+                <a:ln>
+                  <a:noFill/>
+                </a:ln>
+                <a:solidFill>
+                  <a:schemeClr val="tx1"/>
+                </a:solidFill>
+                <a:effectLst/>
+                <a:latin typeface="Arial" panose="020B0604020202020204" pitchFamily="34" charset="0"/>
+              </a:rPr>
+              <a:t>Eliminate unnecessary copies if the SSA version already exists</a:t>
+            </a:r>
+            <a:r>
+              <a:rPr kumimoji="0" lang="en-US" altLang="en-US" sz="1800" b="0" i="0" u="none" strike="noStrike" cap="none" normalizeH="0" baseline="0" dirty="0">
+                <a:ln>
+                  <a:noFill/>
+                </a:ln>
+                <a:solidFill>
+                  <a:schemeClr val="tx1"/>
+                </a:solidFill>
+                <a:effectLst/>
+                <a:latin typeface="Arial" panose="020B0604020202020204" pitchFamily="34" charset="0"/>
+              </a:rPr>
+              <a:t>.</a:t>
+            </a:r>
+          </a:p>
+          <a:p>
+            <a:pPr marL="0" marR="0" lvl="0" indent="0" algn="l" defTabSz="914400" rtl="0" eaLnBrk="0" fontAlgn="base" latinLnBrk="0" hangingPunct="0">
+              <a:lnSpc>
+                <a:spcPct val="100000"/>
+              </a:lnSpc>
+              <a:spcBef>
+                <a:spcPct val="0"/>
+              </a:spcBef>
+              <a:spcAft>
+                <a:spcPct val="0"/>
+              </a:spcAft>
+              <a:buClrTx/>
+              <a:buSzTx/>
+              <a:buFontTx/>
+              <a:buNone/>
+              <a:tabLst/>
+            </a:pPr>
+            <a:endParaRPr kumimoji="0" lang="en-US" altLang="en-US" sz="1800" b="0" i="0" u="none" strike="noStrike" cap="none" normalizeH="0" baseline="0" dirty="0">
+              <a:ln>
+                <a:noFill/>
+              </a:ln>
+              <a:solidFill>
+                <a:schemeClr val="tx1"/>
+              </a:solidFill>
+              <a:effectLst/>
+              <a:latin typeface="Arial" panose="020B0604020202020204" pitchFamily="34" charset="0"/>
+            </a:endParaRPr>
+          </a:p>
+        </p:txBody>
+      </p:sp>
+    </p:spTree>
+    <p:extLst>
+      <p:ext uri="{BB962C8B-B14F-4D97-AF65-F5344CB8AC3E}">
+        <p14:creationId xmlns:p14="http://schemas.microsoft.com/office/powerpoint/2010/main" val="3049054424"/>
       </p:ext>
     </p:extLst>
   </p:cSld>
@@ -5893,145 +7191,6 @@
     <p:extLst>
       <p:ext uri="{BB962C8B-B14F-4D97-AF65-F5344CB8AC3E}">
         <p14:creationId xmlns:p14="http://schemas.microsoft.com/office/powerpoint/2010/main" val="1734632642"/>
-      </p:ext>
-    </p:extLst>
-  </p:cSld>
-  <p:clrMapOvr>
-    <a:masterClrMapping/>
-  </p:clrMapOvr>
-</p:sld>
-</file>
-
-<file path=ppt/slides/slide21.xml><?xml version="1.0" encoding="utf-8"?>
-<p:sld xmlns:a="http://schemas.openxmlformats.org/drawingml/2006/main" xmlns:r="http://schemas.openxmlformats.org/officeDocument/2006/relationships" xmlns:p="http://schemas.openxmlformats.org/presentationml/2006/main">
-  <p:cSld>
-    <p:spTree>
-      <p:nvGrpSpPr>
-        <p:cNvPr id="1" name="">
-          <a:extLst>
-            <a:ext uri="{FF2B5EF4-FFF2-40B4-BE49-F238E27FC236}">
-              <a16:creationId xmlns:a16="http://schemas.microsoft.com/office/drawing/2014/main" id="{D8F1E250-D401-ED2A-769B-60AF7E8BF815}"/>
-            </a:ext>
-          </a:extLst>
-        </p:cNvPr>
-        <p:cNvGrpSpPr/>
-        <p:nvPr/>
-      </p:nvGrpSpPr>
-      <p:grpSpPr>
-        <a:xfrm>
-          <a:off x="0" y="0"/>
-          <a:ext cx="0" cy="0"/>
-          <a:chOff x="0" y="0"/>
-          <a:chExt cx="0" cy="0"/>
-        </a:xfrm>
-      </p:grpSpPr>
-      <p:sp>
-        <p:nvSpPr>
-          <p:cNvPr id="3" name="Content Placeholder 2">
-            <a:extLst>
-              <a:ext uri="{FF2B5EF4-FFF2-40B4-BE49-F238E27FC236}">
-                <a16:creationId xmlns:a16="http://schemas.microsoft.com/office/drawing/2014/main" id="{E7501FD5-9F4D-4FF1-310D-E127F71450D8}"/>
-              </a:ext>
-            </a:extLst>
-          </p:cNvPr>
-          <p:cNvSpPr>
-            <a:spLocks noGrp="1"/>
-          </p:cNvSpPr>
-          <p:nvPr>
-            <p:ph idx="1"/>
-          </p:nvPr>
-        </p:nvSpPr>
-        <p:spPr>
-          <a:xfrm>
-            <a:off x="1021080" y="2800952"/>
-            <a:ext cx="10776284" cy="5398168"/>
-          </a:xfrm>
-        </p:spPr>
-        <p:txBody>
-          <a:bodyPr>
-            <a:normAutofit/>
-          </a:bodyPr>
-          <a:lstStyle/>
-          <a:p>
-            <a:pPr marL="0" indent="0">
-              <a:buNone/>
-            </a:pPr>
-            <a:r>
-              <a:rPr lang="en-US" sz="4000" dirty="0">
-                <a:solidFill>
-                  <a:srgbClr val="FF0000"/>
-                </a:solidFill>
-              </a:rPr>
-              <a:t>Investigate toy targets like `toy` or RISC-V</a:t>
-            </a:r>
-          </a:p>
-          <a:p>
-            <a:pPr marL="0" indent="0">
-              <a:buNone/>
-            </a:pPr>
-            <a:r>
-              <a:rPr lang="en-US" sz="4000" dirty="0">
-                <a:solidFill>
-                  <a:srgbClr val="FF0000"/>
-                </a:solidFill>
-              </a:rPr>
-              <a:t>				Code Example</a:t>
-            </a:r>
-          </a:p>
-        </p:txBody>
-      </p:sp>
-      <p:sp>
-        <p:nvSpPr>
-          <p:cNvPr id="6" name="Title 1">
-            <a:extLst>
-              <a:ext uri="{FF2B5EF4-FFF2-40B4-BE49-F238E27FC236}">
-                <a16:creationId xmlns:a16="http://schemas.microsoft.com/office/drawing/2014/main" id="{9E8DFF98-3C30-50B0-2E3B-F589900B9887}"/>
-              </a:ext>
-            </a:extLst>
-          </p:cNvPr>
-          <p:cNvSpPr>
-            <a:spLocks noGrp="1"/>
-          </p:cNvSpPr>
-          <p:nvPr>
-            <p:ph type="title"/>
-          </p:nvPr>
-        </p:nvSpPr>
-        <p:spPr>
-          <a:xfrm>
-            <a:off x="838200" y="348797"/>
-            <a:ext cx="10515600" cy="1325563"/>
-          </a:xfrm>
-        </p:spPr>
-        <p:txBody>
-          <a:bodyPr/>
-          <a:lstStyle/>
-          <a:p>
-            <a:r>
-              <a:rPr lang="en-US" dirty="0">
-                <a:solidFill>
-                  <a:schemeClr val="tx2">
-                    <a:lumMod val="75000"/>
-                    <a:lumOff val="25000"/>
-                  </a:schemeClr>
-                </a:solidFill>
-              </a:rPr>
-              <a:t>LLVM Backend Pipeline</a:t>
-            </a:r>
-            <a:endParaRPr lang="en-US" dirty="0">
-              <a:solidFill>
-                <a:schemeClr val="tx2">
-                  <a:lumMod val="50000"/>
-                  <a:lumOff val="50000"/>
-                </a:schemeClr>
-              </a:solidFill>
-            </a:endParaRPr>
-          </a:p>
-        </p:txBody>
-      </p:sp>
-    </p:spTree>
-    <p:extLst>
-      <p:ext uri="{BB962C8B-B14F-4D97-AF65-F5344CB8AC3E}">
-        <p14:creationId xmlns:p14="http://schemas.microsoft.com/office/powerpoint/2010/main" val="1163720047"/>
       </p:ext>
     </p:extLst>
   </p:cSld>
@@ -6941,7 +8100,7 @@
             </a:r>
             <a:r>
               <a:rPr lang="en-US" sz="2400" b="1" dirty="0" err="1"/>
-              <a:t>Constructio</a:t>
+              <a:t>Construction</a:t>
             </a:r>
             <a:r>
               <a:rPr lang="en-US" sz="2400" dirty="0" err="1"/>
@@ -7028,7 +8187,7 @@
           <a:lstStyle/>
           <a:p>
             <a:r>
-              <a:rPr lang="en-US">
+              <a:rPr lang="en-US" dirty="0">
                 <a:solidFill>
                   <a:schemeClr val="tx2">
                     <a:lumMod val="75000"/>
@@ -7039,7 +8198,7 @@
               <a:t>LLVM Backend Pipeline</a:t>
             </a:r>
             <a:br>
-              <a:rPr lang="en-US">
+              <a:rPr lang="en-US" dirty="0">
                 <a:solidFill>
                   <a:schemeClr val="tx2">
                     <a:lumMod val="75000"/>
@@ -7049,7 +8208,7 @@
               </a:rPr>
             </a:br>
             <a:r>
-              <a:rPr lang="en-US" sz="2800">
+              <a:rPr lang="en-US" sz="2800" dirty="0">
                 <a:solidFill>
                   <a:schemeClr val="tx2">
                     <a:lumMod val="50000"/>
@@ -7166,19 +8325,11 @@
           <a:p>
             <a:r>
               <a:rPr lang="en-US" sz="2400" b="1" dirty="0"/>
-              <a:t>Instruction </a:t>
-            </a:r>
-            <a:r>
-              <a:rPr lang="en-US" sz="2400" b="1" dirty="0" err="1"/>
-              <a:t>Selection</a:t>
-            </a:r>
-            <a:r>
-              <a:rPr lang="en-US" sz="2400" dirty="0" err="1"/>
-              <a:t>:Now</a:t>
+              <a:t>Instruction Selection</a:t>
             </a:r>
             <a:r>
               <a:rPr lang="en-US" sz="2400" dirty="0"/>
-              <a:t> that the DAG is composed only of legal types and operations, this stage maps DAG nodes to real machine instructions by using </a:t>
+              <a:t>: Now that the DAG is composed only of legal types and operations, this stage maps DAG nodes to real machine instructions by using </a:t>
             </a:r>
             <a:r>
               <a:rPr lang="en-US" sz="2400" dirty="0" err="1"/>
@@ -7224,7 +8375,7 @@
           <a:lstStyle/>
           <a:p>
             <a:r>
-              <a:rPr lang="en-US">
+              <a:rPr lang="en-US" dirty="0">
                 <a:solidFill>
                   <a:schemeClr val="tx2">
                     <a:lumMod val="75000"/>
@@ -7235,7 +8386,7 @@
               <a:t>LLVM Backend Pipeline</a:t>
             </a:r>
             <a:br>
-              <a:rPr lang="en-US">
+              <a:rPr lang="en-US" dirty="0">
                 <a:solidFill>
                   <a:schemeClr val="tx2">
                     <a:lumMod val="75000"/>
@@ -7245,7 +8396,7 @@
               </a:rPr>
             </a:br>
             <a:r>
-              <a:rPr lang="en-US" sz="2800">
+              <a:rPr lang="en-US" sz="2800" dirty="0">
                 <a:solidFill>
                   <a:schemeClr val="tx2">
                     <a:lumMod val="50000"/>
